--- a/livrabile/Business_plan_HE_5.0.pptx
+++ b/livrabile/Business_plan_HE_5.0.pptx
@@ -3684,7 +3684,21 @@
                 <a:effectLst/>
                 <a:latin typeface="+mj-lt"/>
               </a:rPr>
-              <a:t>: Reach 500 active users within the first month of launch</a:t>
+              <a:t>: </a:t>
+            </a:r>
+            <a:r>
+              <a:rPr lang="en-US" sz="1550" b="0" i="0">
+                <a:effectLst/>
+                <a:latin typeface="+mj-lt"/>
+              </a:rPr>
+              <a:t>Reach 100 </a:t>
+            </a:r>
+            <a:r>
+              <a:rPr lang="en-US" sz="1550" b="0" i="0" dirty="0">
+                <a:effectLst/>
+                <a:latin typeface="+mj-lt"/>
+              </a:rPr>
+              <a:t>active users within the first month of launch</a:t>
             </a:r>
           </a:p>
           <a:p>
